--- a/AEDProj2.pptx
+++ b/AEDProj2.pptx
@@ -19,7 +19,6 @@
     <p:sldId id="264" r:id="rId16"/>
     <p:sldId id="265" r:id="rId17"/>
     <p:sldId id="266" r:id="rId18"/>
-    <p:sldId id="267" r:id="rId19"/>
   </p:sldIdLst>
   <p:sldSz cx="24384000" cy="13716000"/>
   <p:notesSz cx="6858000" cy="9144000"/>
@@ -4050,22 +4049,52 @@
       </p:grpSpPr>
       <p:sp>
         <p:nvSpPr>
-          <p:cNvPr id="151" name="Author and Date"/>
+          <p:cNvPr id="151" name="Authors :…"/>
           <p:cNvSpPr txBox="1"/>
           <p:nvPr>
             <p:ph type="body" idx="21"/>
           </p:nvPr>
         </p:nvSpPr>
         <p:spPr>
-          <a:prstGeom prst="rect">
-            <a:avLst/>
-          </a:prstGeom>
+          <a:xfrm>
+            <a:off x="12978507" y="10173691"/>
+            <a:ext cx="10193836" cy="2310450"/>
+          </a:xfrm>
+          <a:prstGeom prst="rect">
+            <a:avLst/>
+          </a:prstGeom>
+          <a:extLst>
+            <a:ext uri="{C572A759-6A51-4108-AA02-DFA0A04FC94B}">
+              <ma14:wrappingTextBoxFlag xmlns:ma14="http://schemas.microsoft.com/office/mac/drawingml/2011/main" val="1"/>
+            </a:ext>
+          </a:extLst>
         </p:spPr>
         <p:txBody>
           <a:bodyPr/>
           <a:lstStyle/>
           <a:p>
             <a:pPr/>
+            <a:r>
+              <a:t>Authors : </a:t>
+            </a:r>
+          </a:p>
+          <a:p>
+            <a:pPr/>
+            <a:r>
+              <a:t>João Parada - up201405280</a:t>
+            </a:r>
+          </a:p>
+          <a:p>
+            <a:pPr/>
+            <a:r>
+              <a:t>Luciano Ferreira - up202208158</a:t>
+            </a:r>
+          </a:p>
+          <a:p>
+            <a:pPr/>
+            <a:r>
+              <a:t>António Cunha - up202208862</a:t>
+            </a:r>
           </a:p>
         </p:txBody>
       </p:sp>
@@ -4174,7 +4203,7 @@
       </p:grpSpPr>
       <p:sp>
         <p:nvSpPr>
-          <p:cNvPr id="188" name="Menu Usage"/>
+          <p:cNvPr id="191" name="Best functionalities"/>
           <p:cNvSpPr txBox="1"/>
           <p:nvPr>
             <p:ph type="body" idx="21"/>
@@ -4196,14 +4225,14 @@
           <a:p>
             <a:pPr/>
             <a:r>
-              <a:t>Menu Usage</a:t>
-            </a:r>
-          </a:p>
-        </p:txBody>
-      </p:sp>
-      <p:sp>
-        <p:nvSpPr>
-          <p:cNvPr id="189" name="This is our MainMenu…"/>
+              <a:t>Best functionalities </a:t>
+            </a:r>
+          </a:p>
+        </p:txBody>
+      </p:sp>
+      <p:sp>
+        <p:nvSpPr>
+          <p:cNvPr id="192" name="Our best and more complex functionalities evolve around the flight and filter menu methods which mainly include the bestFlightOption() function. Implementing this function required us to apply the knowledge we got throughout the semester such as graph se"/>
           <p:cNvSpPr txBox="1"/>
           <p:nvPr>
             <p:ph type="body" idx="1"/>
@@ -4220,20 +4249,20 @@
           <a:p>
             <a:pPr/>
             <a:r>
-              <a:t>This is our MainMenu</a:t>
-            </a:r>
-          </a:p>
-          <a:p>
-            <a:pPr/>
-            <a:r>
-              <a:t>Insert image here</a:t>
-            </a:r>
-          </a:p>
-        </p:txBody>
-      </p:sp>
-      <p:sp>
-        <p:nvSpPr>
-          <p:cNvPr id="190" name="Air Travel Flight Management System"/>
+              <a:t>Our best and more complex functionalities evolve around the flight and filter menu methods which mainly include the bestFlightOption() function. Implementing this function required us to apply the knowledge we got throughout the semester such as graph search and connected components . </a:t>
+            </a:r>
+          </a:p>
+          <a:p>
+            <a:pPr/>
+            <a:r>
+              <a:t>As we concluded the projected , we noticed that our previous graph knowledge was essential and as a group we consider this project a great way to further it .</a:t>
+            </a:r>
+          </a:p>
+        </p:txBody>
+      </p:sp>
+      <p:sp>
+        <p:nvSpPr>
+          <p:cNvPr id="193" name="Air Travel Flight Management System"/>
           <p:cNvSpPr txBox="1"/>
           <p:nvPr>
             <p:ph type="title"/>
@@ -4283,7 +4312,7 @@
       </p:grpSpPr>
       <p:sp>
         <p:nvSpPr>
-          <p:cNvPr id="192" name="Best functionalities"/>
+          <p:cNvPr id="195" name="Main difficulties faced"/>
           <p:cNvSpPr txBox="1"/>
           <p:nvPr>
             <p:ph type="body" idx="21"/>
@@ -4305,14 +4334,14 @@
           <a:p>
             <a:pPr/>
             <a:r>
-              <a:t>Best functionalities </a:t>
-            </a:r>
-          </a:p>
-        </p:txBody>
-      </p:sp>
-      <p:sp>
-        <p:nvSpPr>
-          <p:cNvPr id="193" name="Slide bullet text"/>
+              <a:t>Main difficulties faced</a:t>
+            </a:r>
+          </a:p>
+        </p:txBody>
+      </p:sp>
+      <p:sp>
+        <p:nvSpPr>
+          <p:cNvPr id="196" name="Throughout the project's duration, each group member actively contributed to its completion.…"/>
           <p:cNvSpPr txBox="1"/>
           <p:nvPr>
             <p:ph type="body" idx="1"/>
@@ -4328,112 +4357,42 @@
           <a:lstStyle/>
           <a:p>
             <a:pPr/>
-          </a:p>
-        </p:txBody>
-      </p:sp>
-      <p:sp>
-        <p:nvSpPr>
-          <p:cNvPr id="194" name="Air Travel Flight Management System"/>
-          <p:cNvSpPr txBox="1"/>
-          <p:nvPr>
-            <p:ph type="title"/>
-          </p:nvPr>
-        </p:nvSpPr>
-        <p:spPr>
-          <a:prstGeom prst="rect">
-            <a:avLst/>
-          </a:prstGeom>
-        </p:spPr>
-        <p:txBody>
-          <a:bodyPr/>
-          <a:lstStyle/>
-          <a:p>
-            <a:pPr/>
-            <a:r>
-              <a:t>Air Travel Flight Management System </a:t>
-            </a:r>
-          </a:p>
-        </p:txBody>
-      </p:sp>
-    </p:spTree>
-  </p:cSld>
-  <p:clrMapOvr>
-    <a:masterClrMapping/>
-  </p:clrMapOvr>
-  <p:transition xmlns:p14="http://schemas.microsoft.com/office/powerpoint/2010/main" spd="med" advClick="1"/>
-</p:sld>
-</file>
-
-<file path=ppt/slides/slide12.xml><?xml version="1.0" encoding="utf-8"?>
-<p:sld xmlns:a="http://schemas.openxmlformats.org/drawingml/2006/main" xmlns:r="http://schemas.openxmlformats.org/officeDocument/2006/relationships" xmlns:p="http://schemas.openxmlformats.org/presentationml/2006/main" xmlns:m="http://schemas.openxmlformats.org/officeDocument/2006/math" xmlns:a14="http://schemas.microsoft.com/office/drawing/2010/main" showMasterSp="1" showMasterPhAnim="1">
-  <p:cSld>
-    <p:spTree>
-      <p:nvGrpSpPr>
-        <p:cNvPr id="1" name=""/>
-        <p:cNvGrpSpPr/>
-        <p:nvPr/>
-      </p:nvGrpSpPr>
-      <p:grpSpPr>
-        <a:xfrm>
-          <a:off x="0" y="0"/>
-          <a:ext cx="0" cy="0"/>
-          <a:chOff x="0" y="0"/>
-          <a:chExt cx="0" cy="0"/>
-        </a:xfrm>
-      </p:grpSpPr>
-      <p:sp>
-        <p:nvSpPr>
-          <p:cNvPr id="196" name="Main difficulties faced"/>
-          <p:cNvSpPr txBox="1"/>
-          <p:nvPr>
-            <p:ph type="body" idx="21"/>
-          </p:nvPr>
-        </p:nvSpPr>
-        <p:spPr>
-          <a:prstGeom prst="rect">
-            <a:avLst/>
-          </a:prstGeom>
-          <a:extLst>
-            <a:ext uri="{C572A759-6A51-4108-AA02-DFA0A04FC94B}">
-              <ma14:wrappingTextBoxFlag xmlns:ma14="http://schemas.microsoft.com/office/mac/drawingml/2011/main" val="1"/>
-            </a:ext>
-          </a:extLst>
-        </p:spPr>
-        <p:txBody>
-          <a:bodyPr/>
-          <a:lstStyle/>
-          <a:p>
-            <a:pPr/>
-            <a:r>
-              <a:t>Main difficulties faced</a:t>
-            </a:r>
-          </a:p>
-        </p:txBody>
-      </p:sp>
-      <p:sp>
-        <p:nvSpPr>
-          <p:cNvPr id="197" name="Slide bullet text"/>
-          <p:cNvSpPr txBox="1"/>
-          <p:nvPr>
-            <p:ph type="body" idx="1"/>
-          </p:nvPr>
-        </p:nvSpPr>
-        <p:spPr>
-          <a:prstGeom prst="rect">
-            <a:avLst/>
-          </a:prstGeom>
-        </p:spPr>
-        <p:txBody>
-          <a:bodyPr/>
-          <a:lstStyle/>
-          <a:p>
-            <a:pPr/>
-          </a:p>
-        </p:txBody>
-      </p:sp>
-      <p:sp>
-        <p:nvSpPr>
-          <p:cNvPr id="198" name="Air Travel Flight Management System"/>
+            <a:r>
+              <a:t>Throughout the project's duration, each group member actively contributed to its completion.</a:t>
+            </a:r>
+          </a:p>
+          <a:p>
+            <a:pPr/>
+            <a:r>
+              <a:t>As we progressed through each step of the project, we faced increasing levels of difficulty. Nonetheless, our most challenging task was applying filters to the bestFlightOption.  </a:t>
+            </a:r>
+          </a:p>
+          <a:p>
+            <a:pPr marL="0" indent="0" defTabSz="457200">
+              <a:lnSpc>
+                <a:spcPct val="100000"/>
+              </a:lnSpc>
+              <a:spcBef>
+                <a:spcPts val="0"/>
+              </a:spcBef>
+              <a:buSzTx/>
+              <a:buNone/>
+              <a:defRPr sz="1600">
+                <a:solidFill>
+                  <a:srgbClr val="D1D5DB"/>
+                </a:solidFill>
+                <a:latin typeface="Helvetica"/>
+                <a:ea typeface="Helvetica"/>
+                <a:cs typeface="Helvetica"/>
+                <a:sym typeface="Helvetica"/>
+              </a:defRPr>
+            </a:pPr>
+          </a:p>
+        </p:txBody>
+      </p:sp>
+      <p:sp>
+        <p:nvSpPr>
+          <p:cNvPr id="197" name="Air Travel Flight Management System"/>
           <p:cNvSpPr txBox="1"/>
           <p:nvPr>
             <p:ph type="title"/>
@@ -4858,7 +4817,7 @@
       </p:grpSpPr>
       <p:sp>
         <p:nvSpPr>
-          <p:cNvPr id="168" name="FMSGraph class"/>
+          <p:cNvPr id="168" name="Main Methods I"/>
           <p:cNvSpPr txBox="1"/>
           <p:nvPr>
             <p:ph type="body" idx="21"/>
@@ -4880,14 +4839,14 @@
           <a:p>
             <a:pPr/>
             <a:r>
-              <a:t>FMSGraph class</a:t>
-            </a:r>
-          </a:p>
-        </p:txBody>
-      </p:sp>
-      <p:sp>
-        <p:nvSpPr>
-          <p:cNvPr id="169" name="Inserir imagem"/>
+              <a:t>Main Methods I</a:t>
+            </a:r>
+          </a:p>
+        </p:txBody>
+      </p:sp>
+      <p:sp>
+        <p:nvSpPr>
+          <p:cNvPr id="169" name="airportFlightCount() : Returns he global number of airports and the global number of flights. TimeC = O(N)…"/>
           <p:cNvSpPr txBox="1"/>
           <p:nvPr>
             <p:ph type="body" idx="1"/>
@@ -4904,7 +4863,25 @@
           <a:p>
             <a:pPr/>
             <a:r>
-              <a:t>Inserir imagem </a:t>
+              <a:t>airportFlightCount() : Returns he global number of airports and the global number of flights. TimeC = O(N)</a:t>
+            </a:r>
+          </a:p>
+          <a:p>
+            <a:pPr/>
+            <a:r>
+              <a:t>flightsPerAirport() : Returns the global number of flights per airport. TimeC = O(N)</a:t>
+            </a:r>
+          </a:p>
+          <a:p>
+            <a:pPr/>
+            <a:r>
+              <a:t>flightsPerCity() and flightsPerAirline() : Returns the number of departures/flights per city/airline . TimeC=O(N)</a:t>
+            </a:r>
+          </a:p>
+          <a:p>
+            <a:pPr/>
+            <a:r>
+              <a:t>numOfDestinationsCity() and numOfDestinationsAirport() : Returns the number of different countries that an airport/city connects to. TimeC=O(N*(M+K))</a:t>
             </a:r>
           </a:p>
         </p:txBody>
@@ -4961,7 +4938,7 @@
       </p:grpSpPr>
       <p:sp>
         <p:nvSpPr>
-          <p:cNvPr id="172" name="Main Methods I"/>
+          <p:cNvPr id="172" name="Main Methods II"/>
           <p:cNvSpPr txBox="1"/>
           <p:nvPr>
             <p:ph type="body" idx="21"/>
@@ -4983,14 +4960,14 @@
           <a:p>
             <a:pPr/>
             <a:r>
-              <a:t>Main Methods I</a:t>
-            </a:r>
-          </a:p>
-        </p:txBody>
-      </p:sp>
-      <p:sp>
-        <p:nvSpPr>
-          <p:cNvPr id="173" name="airportFlightCount() : Returns he global number of airports and the global number of flights. TimeC = O(N)…"/>
+              <a:t>Main Methods II</a:t>
+            </a:r>
+          </a:p>
+        </p:txBody>
+      </p:sp>
+      <p:sp>
+        <p:nvSpPr>
+          <p:cNvPr id="173" name="airportDestinations() : Returns the number of destinations that an airport has connections to . TimeC = O(N*log(N))…"/>
           <p:cNvSpPr txBox="1"/>
           <p:nvPr>
             <p:ph type="body" idx="1"/>
@@ -5005,27 +4982,58 @@
           <a:bodyPr/>
           <a:lstStyle/>
           <a:p>
-            <a:pPr/>
-            <a:r>
-              <a:t>airportFlightCount() : Returns he global number of airports and the global number of flights. TimeC = O(N)</a:t>
-            </a:r>
-          </a:p>
-          <a:p>
-            <a:pPr/>
-            <a:r>
-              <a:t>flightsPerAirport() : Returns the global number of flights per airport. TimeC = O(N)</a:t>
-            </a:r>
-          </a:p>
-          <a:p>
-            <a:pPr/>
-            <a:r>
-              <a:t>flightsPerCity() and flightsPerAirline() : Returns the number of departures/flights per city/airline . TimeC=O(N)</a:t>
-            </a:r>
-          </a:p>
-          <a:p>
-            <a:pPr/>
-            <a:r>
-              <a:t>numOfDestinationsCity() and numOfDestinationsAirport() : Returns the number of different countries that an airport/city connects to. TimeC=O(N*(M+K))</a:t>
+            <a:pPr marL="566927" indent="-566927" defTabSz="2267655">
+              <a:spcBef>
+                <a:spcPts val="4100"/>
+              </a:spcBef>
+              <a:defRPr sz="4464"/>
+            </a:pPr>
+            <a:r>
+              <a:t>airportDestinations() : Returns the number of destinations that an airport has connections to . TimeC = O(N*log(N))</a:t>
+            </a:r>
+          </a:p>
+          <a:p>
+            <a:pPr marL="566927" indent="-566927" defTabSz="2267655">
+              <a:spcBef>
+                <a:spcPts val="4100"/>
+              </a:spcBef>
+              <a:defRPr sz="4464"/>
+            </a:pPr>
+            <a:r>
+              <a:t>reachableDestinationsInXStops() : Returns the different airports/countries/cities an airport can get to within X stops . TimeC = O( V+E )</a:t>
+            </a:r>
+          </a:p>
+          <a:p>
+            <a:pPr marL="566927" indent="-566927" defTabSz="2267655">
+              <a:spcBef>
+                <a:spcPts val="4100"/>
+              </a:spcBef>
+              <a:defRPr sz="4464"/>
+            </a:pPr>
+            <a:r>
+              <a:t>maxTrip() : Returns the pairs that have the most connections between them.    TimeC = O( N*(V+E))</a:t>
+            </a:r>
+          </a:p>
+          <a:p>
+            <a:pPr marL="566927" indent="-566927" defTabSz="2267655">
+              <a:spcBef>
+                <a:spcPts val="4100"/>
+              </a:spcBef>
+              <a:defRPr sz="4464"/>
+            </a:pPr>
+            <a:r>
+              <a:t>topAirports() : Returns the top K airports with more traffic . TimeC = O(V+E+V*log(V))</a:t>
+            </a:r>
+          </a:p>
+          <a:p>
+            <a:pPr marL="566927" indent="-566927" defTabSz="2267655">
+              <a:spcBef>
+                <a:spcPts val="4100"/>
+              </a:spcBef>
+              <a:defRPr sz="4464"/>
+            </a:pPr>
+            <a:r>
+              <a:t>essentialAirports() : Returns the essential airports to the networks circulation capability . TimeC = O(V+E)</a:t>
             </a:r>
           </a:p>
         </p:txBody>
@@ -5082,7 +5090,7 @@
       </p:grpSpPr>
       <p:sp>
         <p:nvSpPr>
-          <p:cNvPr id="176" name="Main Methods II"/>
+          <p:cNvPr id="176" name="Main Methods III"/>
           <p:cNvSpPr txBox="1"/>
           <p:nvPr>
             <p:ph type="body" idx="21"/>
@@ -5104,14 +5112,14 @@
           <a:p>
             <a:pPr/>
             <a:r>
-              <a:t>Main Methods II</a:t>
-            </a:r>
-          </a:p>
-        </p:txBody>
-      </p:sp>
-      <p:sp>
-        <p:nvSpPr>
-          <p:cNvPr id="177" name="airportDestinations() : Returns the number of destinations that an airport has connections to . TimeC = O(N*log(N))…"/>
+              <a:t>Main Methods III</a:t>
+            </a:r>
+          </a:p>
+        </p:txBody>
+      </p:sp>
+      <p:sp>
+        <p:nvSpPr>
+          <p:cNvPr id="177" name="bestFlightOption() : Returns a list the paths from one airport to another, ordered by the shortest distance and the lowest number of stops .…"/>
           <p:cNvSpPr txBox="1"/>
           <p:nvPr>
             <p:ph type="body" idx="1"/>
@@ -5126,58 +5134,18 @@
           <a:bodyPr/>
           <a:lstStyle/>
           <a:p>
-            <a:pPr marL="566927" indent="-566927" defTabSz="2267655">
-              <a:spcBef>
-                <a:spcPts val="4100"/>
-              </a:spcBef>
-              <a:defRPr sz="4464"/>
-            </a:pPr>
-            <a:r>
-              <a:t>airportDestinations() : Returns the number of destinations that an airport has connections to . TimeC = O(N*log(N))</a:t>
-            </a:r>
-          </a:p>
-          <a:p>
-            <a:pPr marL="566927" indent="-566927" defTabSz="2267655">
-              <a:spcBef>
-                <a:spcPts val="4100"/>
-              </a:spcBef>
-              <a:defRPr sz="4464"/>
-            </a:pPr>
-            <a:r>
-              <a:t>reachableDestinationsInXStops() : Returns the different airports/countries/cities an airport can get to within X stops . TimeC = O( V+E )</a:t>
-            </a:r>
-          </a:p>
-          <a:p>
-            <a:pPr marL="566927" indent="-566927" defTabSz="2267655">
-              <a:spcBef>
-                <a:spcPts val="4100"/>
-              </a:spcBef>
-              <a:defRPr sz="4464"/>
-            </a:pPr>
-            <a:r>
-              <a:t>maxTrip() : Returns the pairs that have the most connections between them.    TimeC = O( N*(V+E))</a:t>
-            </a:r>
-          </a:p>
-          <a:p>
-            <a:pPr marL="566927" indent="-566927" defTabSz="2267655">
-              <a:spcBef>
-                <a:spcPts val="4100"/>
-              </a:spcBef>
-              <a:defRPr sz="4464"/>
-            </a:pPr>
-            <a:r>
-              <a:t>topAirports() : Returns the top K airports with more traffic . TimeC = O(V+E+V*log(V))</a:t>
-            </a:r>
-          </a:p>
-          <a:p>
-            <a:pPr marL="566927" indent="-566927" defTabSz="2267655">
-              <a:spcBef>
-                <a:spcPts val="4100"/>
-              </a:spcBef>
-              <a:defRPr sz="4464"/>
-            </a:pPr>
-            <a:r>
-              <a:t>essentialAirports() : Returns the essential airports to the networks circulation capability . TimeC = O(V+E)</a:t>
+            <a:pPr/>
+            <a:r>
+              <a:t>bestFlightOption() : Returns a list the paths from one airport to another, ordered by the shortest distance and the lowest number of stops . </a:t>
+            </a:r>
+          </a:p>
+          <a:p>
+            <a:pPr/>
+          </a:p>
+          <a:p>
+            <a:pPr/>
+            <a:r>
+              <a:t>applyAirlineFIlter() : Returns the filtered graph with or without the selected airlines .</a:t>
             </a:r>
           </a:p>
         </p:txBody>
@@ -5234,7 +5202,7 @@
       </p:grpSpPr>
       <p:sp>
         <p:nvSpPr>
-          <p:cNvPr id="180" name="Main Methods III"/>
+          <p:cNvPr id="180" name="Menu Usage"/>
           <p:cNvSpPr txBox="1"/>
           <p:nvPr>
             <p:ph type="body" idx="21"/>
@@ -5256,14 +5224,14 @@
           <a:p>
             <a:pPr/>
             <a:r>
-              <a:t>Main Methods III</a:t>
-            </a:r>
-          </a:p>
-        </p:txBody>
-      </p:sp>
-      <p:sp>
-        <p:nvSpPr>
-          <p:cNvPr id="181" name="bestFlightOption() : Returns a list the paths from one airport to another, ordered by the shortest distance and the lowest number of stops .…"/>
+              <a:t>Menu Usage</a:t>
+            </a:r>
+          </a:p>
+        </p:txBody>
+      </p:sp>
+      <p:sp>
+        <p:nvSpPr>
+          <p:cNvPr id="181" name="Our menu includes 3 submenus the user can choose from . The statistics menu , the flight menu and the filter menu.…"/>
           <p:cNvSpPr txBox="1"/>
           <p:nvPr>
             <p:ph type="body" idx="1"/>
@@ -5280,16 +5248,25 @@
           <a:p>
             <a:pPr/>
             <a:r>
-              <a:t>bestFlightOption() : Returns a list the paths from one airport to another, ordered by the shortest distance and the lowest number of stops . </a:t>
-            </a:r>
-          </a:p>
-          <a:p>
-            <a:pPr/>
-          </a:p>
-          <a:p>
-            <a:pPr/>
-            <a:r>
-              <a:t>applyAirlineFIlter() :</a:t>
+              <a:t>Our menu includes 3 submenus the user can choose from . The statistics menu , the flight menu and the filter menu.</a:t>
+            </a:r>
+          </a:p>
+          <a:p>
+            <a:pPr/>
+            <a:r>
+              <a:t>The stats menu gives the user access to previously mentioned methods that give out stats about our network or a specific airport/city/country.</a:t>
+            </a:r>
+          </a:p>
+          <a:p>
+            <a:pPr/>
+            <a:r>
+              <a:t>The flight menu provides the user with the best flight path if it desires the quickest flight between two places.</a:t>
+            </a:r>
+          </a:p>
+          <a:p>
+            <a:pPr/>
+            <a:r>
+              <a:t>The filter menu helps the user to be more specific with how he to choose his flight from one place to another.</a:t>
             </a:r>
           </a:p>
         </p:txBody>
@@ -5375,13 +5352,17 @@
       </p:sp>
       <p:sp>
         <p:nvSpPr>
-          <p:cNvPr id="185" name="Our menu includes 3 submenus the user can choose from . The statistics menu , the flight menu and the filter menu.…"/>
-          <p:cNvSpPr txBox="1"/>
-          <p:nvPr>
-            <p:ph type="body" idx="1"/>
-          </p:nvPr>
-        </p:nvSpPr>
-        <p:spPr>
+          <p:cNvPr id="185" name="This is our MainMenu"/>
+          <p:cNvSpPr txBox="1"/>
+          <p:nvPr>
+            <p:ph type="body" sz="half" idx="1"/>
+          </p:nvPr>
+        </p:nvSpPr>
+        <p:spPr>
+          <a:xfrm>
+            <a:off x="1206500" y="4248504"/>
+            <a:ext cx="8671359" cy="8256012"/>
+          </a:xfrm>
           <a:prstGeom prst="rect">
             <a:avLst/>
           </a:prstGeom>
@@ -5392,25 +5373,7 @@
           <a:p>
             <a:pPr/>
             <a:r>
-              <a:t>Our menu includes 3 submenus the user can choose from . The statistics menu , the flight menu and the filter menu.</a:t>
-            </a:r>
-          </a:p>
-          <a:p>
-            <a:pPr/>
-            <a:r>
-              <a:t>The stats menu gives the user access to previously mentioned methods that give out stats about our network or a specific airport/city/country.</a:t>
-            </a:r>
-          </a:p>
-          <a:p>
-            <a:pPr/>
-            <a:r>
-              <a:t>The flight menu provides the user with the best flight path if it desires the quickest flight between two places.</a:t>
-            </a:r>
-          </a:p>
-          <a:p>
-            <a:pPr/>
-            <a:r>
-              <a:t>The filter menu helps the user to be more specific with how he to choose his flight from one place to another</a:t>
+              <a:t>This is our MainMenu                   </a:t>
             </a:r>
           </a:p>
         </p:txBody>
@@ -5439,6 +5402,116 @@
           </a:p>
         </p:txBody>
       </p:sp>
+      <p:pic>
+        <p:nvPicPr>
+          <p:cNvPr id="187" name="Screenshot 2024-01-01 at 19.09.27.png" descr="Screenshot 2024-01-01 at 19.09.27.png"/>
+          <p:cNvPicPr>
+            <a:picLocks noChangeAspect="1"/>
+          </p:cNvPicPr>
+          <p:nvPr/>
+        </p:nvPicPr>
+        <p:blipFill>
+          <a:blip r:embed="rId2">
+            <a:extLst/>
+          </a:blip>
+          <a:stretch>
+            <a:fillRect/>
+          </a:stretch>
+        </p:blipFill>
+        <p:spPr>
+          <a:xfrm>
+            <a:off x="1172117" y="5810618"/>
+            <a:ext cx="7775430" cy="5131784"/>
+          </a:xfrm>
+          <a:prstGeom prst="rect">
+            <a:avLst/>
+          </a:prstGeom>
+          <a:ln w="12700">
+            <a:miter lim="400000"/>
+          </a:ln>
+        </p:spPr>
+      </p:pic>
+      <p:sp>
+        <p:nvSpPr>
+          <p:cNvPr id="188" name="Stat Menu"/>
+          <p:cNvSpPr txBox="1"/>
+          <p:nvPr/>
+        </p:nvSpPr>
+        <p:spPr>
+          <a:xfrm>
+            <a:off x="12001500" y="4248504"/>
+            <a:ext cx="8671359" cy="8256012"/>
+          </a:xfrm>
+          <a:prstGeom prst="rect">
+            <a:avLst/>
+          </a:prstGeom>
+          <a:ln w="12700">
+            <a:miter lim="400000"/>
+          </a:ln>
+          <a:extLst>
+            <a:ext uri="{C572A759-6A51-4108-AA02-DFA0A04FC94B}">
+              <ma14:wrappingTextBoxFlag xmlns:ma14="http://schemas.microsoft.com/office/mac/drawingml/2011/main" val="1"/>
+            </a:ext>
+          </a:extLst>
+        </p:spPr>
+        <p:txBody>
+          <a:bodyPr lIns="50800" tIns="50800" rIns="50800" bIns="50800">
+            <a:normAutofit fontScale="100000" lnSpcReduction="0"/>
+          </a:bodyPr>
+          <a:lstStyle>
+            <a:lvl1pPr marL="609600" indent="-609600" algn="l">
+              <a:lnSpc>
+                <a:spcPct val="90000"/>
+              </a:lnSpc>
+              <a:spcBef>
+                <a:spcPts val="4500"/>
+              </a:spcBef>
+              <a:buSzPct val="123000"/>
+              <a:buChar char="•"/>
+              <a:defRPr sz="4800">
+                <a:solidFill>
+                  <a:srgbClr val="000000"/>
+                </a:solidFill>
+              </a:defRPr>
+            </a:lvl1pPr>
+          </a:lstStyle>
+          <a:p>
+            <a:pPr/>
+            <a:r>
+              <a:t>Stat Menu                   </a:t>
+            </a:r>
+          </a:p>
+        </p:txBody>
+      </p:sp>
+      <p:pic>
+        <p:nvPicPr>
+          <p:cNvPr id="189" name="Screenshot 2024-01-01 at 19.13.52.png" descr="Screenshot 2024-01-01 at 19.13.52.png"/>
+          <p:cNvPicPr>
+            <a:picLocks noChangeAspect="1"/>
+          </p:cNvPicPr>
+          <p:nvPr/>
+        </p:nvPicPr>
+        <p:blipFill>
+          <a:blip r:embed="rId3">
+            <a:extLst/>
+          </a:blip>
+          <a:stretch>
+            <a:fillRect/>
+          </a:stretch>
+        </p:blipFill>
+        <p:spPr>
+          <a:xfrm>
+            <a:off x="9421321" y="5752919"/>
+            <a:ext cx="14196481" cy="5378668"/>
+          </a:xfrm>
+          <a:prstGeom prst="rect">
+            <a:avLst/>
+          </a:prstGeom>
+          <a:ln w="12700">
+            <a:miter lim="400000"/>
+          </a:ln>
+        </p:spPr>
+      </p:pic>
     </p:spTree>
   </p:cSld>
   <p:clrMapOvr>
